--- a/legacy-slides/ntjun04-rational-irational.pptx
+++ b/legacy-slides/ntjun04-rational-irational.pptx
@@ -397,7 +397,7 @@
           <a:p>
             <a:fld id="{3E62D330-A21E-4CA8-B066-FB950CEE6323}" type="datetimeFigureOut">
               <a:rPr lang="en-GB" smtClean="0"/>
-              <a:t>01/05/2021</a:t>
+              <a:t>22/03/2022</a:t>
             </a:fld>
             <a:endParaRPr lang="en-GB"/>
           </a:p>
@@ -564,7 +564,7 @@
             <a:fld id="{6D4765DB-18AC-3F42-8A01-45EA04C553EE}" type="datetimeFigureOut">
               <a:rPr lang="en-US" smtClean="0"/>
               <a:pPr/>
-              <a:t>5/1/2021</a:t>
+              <a:t>3/22/2022</a:t>
             </a:fld>
             <a:endParaRPr lang="en-US"/>
           </a:p>
@@ -29131,6 +29131,13 @@
   <p:clrMapOvr>
     <a:masterClrMapping/>
   </p:clrMapOvr>
+  <p:timing>
+    <p:tnLst>
+      <p:par>
+        <p:cTn id="1" dur="indefinite" restart="never" nodeType="tmRoot"/>
+      </p:par>
+    </p:tnLst>
+  </p:timing>
 </p:sld>
 </file>
 
@@ -29482,6 +29489,13 @@
   <p:clrMapOvr>
     <a:masterClrMapping/>
   </p:clrMapOvr>
+  <p:timing>
+    <p:tnLst>
+      <p:par>
+        <p:cTn id="1" dur="indefinite" restart="never" nodeType="tmRoot"/>
+      </p:par>
+    </p:tnLst>
+  </p:timing>
 </p:sld>
 </file>
 
@@ -29693,6 +29707,13 @@
   <p:clrMapOvr>
     <a:masterClrMapping/>
   </p:clrMapOvr>
+  <p:timing>
+    <p:tnLst>
+      <p:par>
+        <p:cTn id="1" dur="indefinite" restart="never" nodeType="tmRoot"/>
+      </p:par>
+    </p:tnLst>
+  </p:timing>
 </p:sld>
 </file>
 
